--- a/iotproject/Project/ML_project5/2025-04-04/mnist를 이용한 7SEGMNT 필기체 출력.pptx
+++ b/iotproject/Project/ML_project5/2025-04-04/mnist를 이용한 7SEGMNT 필기체 출력.pptx
@@ -3332,8 +3332,8 @@
         </p:nvSpPr>
         <p:spPr>
           <a:xfrm rot="-594003">
-            <a:off x="5886222" y="3620922"/>
-            <a:ext cx="6461515" cy="2735510"/>
+            <a:off x="5887041" y="3630376"/>
+            <a:ext cx="6461515" cy="2725985"/>
           </a:xfrm>
           <a:prstGeom prst="rect">
             <a:avLst/>
@@ -5957,8 +5957,8 @@
         </p:blipFill>
         <p:spPr>
           <a:xfrm flipH="false" flipV="false" rot="0">
-            <a:off x="4401463" y="2798401"/>
-            <a:ext cx="9485073" cy="6775052"/>
+            <a:off x="3927892" y="2733679"/>
+            <a:ext cx="9769850" cy="6978464"/>
           </a:xfrm>
           <a:prstGeom prst="rect">
             <a:avLst/>

--- a/iotproject/Project/ML_project5/2025-04-04/mnist를 이용한 7SEGMNT 필기체 출력.pptx
+++ b/iotproject/Project/ML_project5/2025-04-04/mnist를 이용한 7SEGMNT 필기체 출력.pptx
@@ -3332,8 +3332,8 @@
         </p:nvSpPr>
         <p:spPr>
           <a:xfrm rot="-594003">
-            <a:off x="5887041" y="3630376"/>
-            <a:ext cx="6461515" cy="2725985"/>
+            <a:off x="5886222" y="3620922"/>
+            <a:ext cx="6461515" cy="2735510"/>
           </a:xfrm>
           <a:prstGeom prst="rect">
             <a:avLst/>
@@ -5015,8 +5015,8 @@
         </p:nvSpPr>
         <p:spPr>
           <a:xfrm flipH="false" flipV="false" rot="0">
-            <a:off x="1191250" y="2894846"/>
-            <a:ext cx="10167525" cy="5648625"/>
+            <a:off x="737406" y="3541169"/>
+            <a:ext cx="7317303" cy="4065168"/>
           </a:xfrm>
           <a:custGeom>
             <a:avLst/>
@@ -5025,18 +5025,18 @@
             <a:cxnLst/>
             <a:rect r="r" b="b" t="t" l="l"/>
             <a:pathLst>
-              <a:path h="5648625" w="10167525">
+              <a:path h="4065168" w="7317303">
                 <a:moveTo>
                   <a:pt x="0" y="0"/>
                 </a:moveTo>
                 <a:lnTo>
-                  <a:pt x="10167525" y="0"/>
-                </a:lnTo>
-                <a:lnTo>
-                  <a:pt x="10167525" y="5648625"/>
-                </a:lnTo>
-                <a:lnTo>
-                  <a:pt x="0" y="5648625"/>
+                  <a:pt x="7317303" y="0"/>
+                </a:lnTo>
+                <a:lnTo>
+                  <a:pt x="7317303" y="4065168"/>
+                </a:lnTo>
+                <a:lnTo>
+                  <a:pt x="0" y="4065168"/>
                 </a:lnTo>
                 <a:lnTo>
                   <a:pt x="0" y="0"/>
@@ -5101,7 +5101,53 @@
       </p:sp>
       <p:sp>
         <p:nvSpPr>
-          <p:cNvPr name="TextBox 5" id="5"/>
+          <p:cNvPr name="Freeform 5" id="5"/>
+          <p:cNvSpPr/>
+          <p:nvPr/>
+        </p:nvSpPr>
+        <p:spPr>
+          <a:xfrm flipH="false" flipV="false" rot="0">
+            <a:off x="5367159" y="6960014"/>
+            <a:ext cx="5163624" cy="2968766"/>
+          </a:xfrm>
+          <a:custGeom>
+            <a:avLst/>
+            <a:gdLst/>
+            <a:ahLst/>
+            <a:cxnLst/>
+            <a:rect r="r" b="b" t="t" l="l"/>
+            <a:pathLst>
+              <a:path h="2968766" w="5163624">
+                <a:moveTo>
+                  <a:pt x="0" y="0"/>
+                </a:moveTo>
+                <a:lnTo>
+                  <a:pt x="5163623" y="0"/>
+                </a:lnTo>
+                <a:lnTo>
+                  <a:pt x="5163623" y="2968767"/>
+                </a:lnTo>
+                <a:lnTo>
+                  <a:pt x="0" y="2968767"/>
+                </a:lnTo>
+                <a:lnTo>
+                  <a:pt x="0" y="0"/>
+                </a:lnTo>
+                <a:close/>
+              </a:path>
+            </a:pathLst>
+          </a:custGeom>
+          <a:blipFill>
+            <a:blip r:embed="rId4"/>
+            <a:stretch>
+              <a:fillRect l="0" t="0" r="0" b="0"/>
+            </a:stretch>
+          </a:blipFill>
+        </p:spPr>
+      </p:sp>
+      <p:sp>
+        <p:nvSpPr>
+          <p:cNvPr name="TextBox 6" id="6"/>
           <p:cNvSpPr txBox="true"/>
           <p:nvPr/>
         </p:nvSpPr>
@@ -5145,7 +5191,7 @@
       </p:sp>
       <p:sp>
         <p:nvSpPr>
-          <p:cNvPr name="TextBox 6" id="6"/>
+          <p:cNvPr name="TextBox 7" id="7"/>
           <p:cNvSpPr txBox="true"/>
           <p:nvPr/>
         </p:nvSpPr>
@@ -5189,13 +5235,13 @@
       </p:sp>
       <p:sp>
         <p:nvSpPr>
-          <p:cNvPr name="TextBox 7" id="7"/>
+          <p:cNvPr name="TextBox 8" id="8"/>
           <p:cNvSpPr txBox="true"/>
           <p:nvPr/>
         </p:nvSpPr>
         <p:spPr>
           <a:xfrm rot="0">
-            <a:off x="2573479" y="8963025"/>
+            <a:off x="1028700" y="2628146"/>
             <a:ext cx="5158471" cy="523875"/>
           </a:xfrm>
           <a:prstGeom prst="rect">
@@ -5230,7 +5276,7 @@
       </p:sp>
       <p:sp>
         <p:nvSpPr>
-          <p:cNvPr name="TextBox 8" id="8"/>
+          <p:cNvPr name="TextBox 9" id="9"/>
           <p:cNvSpPr txBox="true"/>
           <p:nvPr/>
         </p:nvSpPr>
@@ -5265,6 +5311,47 @@
                 <a:sym typeface="Cabin"/>
               </a:rPr>
               <a:t>모델 예측 정확도 그래프</a:t>
+            </a:r>
+          </a:p>
+        </p:txBody>
+      </p:sp>
+      <p:sp>
+        <p:nvSpPr>
+          <p:cNvPr name="TextBox 10" id="10"/>
+          <p:cNvSpPr txBox="true"/>
+          <p:nvPr/>
+        </p:nvSpPr>
+        <p:spPr>
+          <a:xfrm rot="0">
+            <a:off x="866882" y="8568362"/>
+            <a:ext cx="5158471" cy="523875"/>
+          </a:xfrm>
+          <a:prstGeom prst="rect">
+            <a:avLst/>
+          </a:prstGeom>
+        </p:spPr>
+        <p:txBody>
+          <a:bodyPr anchor="t" rtlCol="false" tIns="0" lIns="0" bIns="0" rIns="0">
+            <a:spAutoFit/>
+          </a:bodyPr>
+          <a:lstStyle/>
+          <a:p>
+            <a:pPr algn="ctr">
+              <a:lnSpc>
+                <a:spcPts val="4200"/>
+              </a:lnSpc>
+            </a:pPr>
+            <a:r>
+              <a:rPr lang="en-US" sz="3000">
+                <a:solidFill>
+                  <a:srgbClr val="475570"/>
+                </a:solidFill>
+                <a:latin typeface="Cabin"/>
+                <a:ea typeface="Cabin"/>
+                <a:cs typeface="Cabin"/>
+                <a:sym typeface="Cabin"/>
+              </a:rPr>
+              <a:t>데이터 전처리</a:t>
             </a:r>
           </a:p>
         </p:txBody>
